--- a/chromeExtension.pptx.pptx
+++ b/chromeExtension.pptx.pptx
@@ -12025,8 +12025,8 @@
         </p:nvSpPr>
         <p:spPr>
           <a:xfrm>
-            <a:off x="0" y="706200"/>
-            <a:ext cx="9144000" cy="6151800"/>
+            <a:off x="0" y="0"/>
+            <a:ext cx="9144000" cy="7139100"/>
           </a:xfrm>
           <a:prstGeom prst="rect">
             <a:avLst/>
@@ -12064,7 +12064,77 @@
                 <a:cs typeface="Calibri"/>
                 <a:sym typeface="Calibri"/>
               </a:rPr>
-              <a:t>1.切換 日/夜間 模式</a:t>
+              <a:t>1.切換 日/夜間 模式: </a:t>
+            </a:r>
+            <a:endParaRPr b="1" sz="2000">
+              <a:solidFill>
+                <a:srgbClr val="3C4043"/>
+              </a:solidFill>
+              <a:latin typeface="Calibri"/>
+              <a:ea typeface="Calibri"/>
+              <a:cs typeface="Calibri"/>
+              <a:sym typeface="Calibri"/>
+            </a:endParaRPr>
+          </a:p>
+          <a:p>
+            <a:pPr indent="457200" lvl="0" marL="0" marR="76200" rtl="0" algn="l">
+              <a:lnSpc>
+                <a:spcPct val="173333"/>
+              </a:lnSpc>
+              <a:spcBef>
+                <a:spcPts val="0"/>
+              </a:spcBef>
+              <a:spcAft>
+                <a:spcPts val="0"/>
+              </a:spcAft>
+              <a:buNone/>
+            </a:pPr>
+            <a:r>
+              <a:rPr lang="en-US" sz="1700">
+                <a:solidFill>
+                  <a:srgbClr val="3C4043"/>
+                </a:solidFill>
+                <a:latin typeface="Calibri"/>
+                <a:ea typeface="Calibri"/>
+                <a:cs typeface="Calibri"/>
+                <a:sym typeface="Calibri"/>
+              </a:rPr>
+              <a:t>注入function至content，取得Dom與改變屬性</a:t>
+            </a:r>
+            <a:endParaRPr sz="1700">
+              <a:solidFill>
+                <a:srgbClr val="3C4043"/>
+              </a:solidFill>
+              <a:latin typeface="Calibri"/>
+              <a:ea typeface="Calibri"/>
+              <a:cs typeface="Calibri"/>
+              <a:sym typeface="Calibri"/>
+            </a:endParaRPr>
+          </a:p>
+          <a:p>
+            <a:pPr indent="0" lvl="0" marL="0" marR="76200" rtl="0" algn="l">
+              <a:lnSpc>
+                <a:spcPct val="173333"/>
+              </a:lnSpc>
+              <a:spcBef>
+                <a:spcPts val="0"/>
+              </a:spcBef>
+              <a:spcAft>
+                <a:spcPts val="0"/>
+              </a:spcAft>
+              <a:buNone/>
+            </a:pPr>
+            <a:r>
+              <a:rPr b="1" lang="en-US" sz="2000">
+                <a:solidFill>
+                  <a:srgbClr val="3C4043"/>
+                </a:solidFill>
+                <a:latin typeface="Calibri"/>
+                <a:ea typeface="Calibri"/>
+                <a:cs typeface="Calibri"/>
+                <a:sym typeface="Calibri"/>
+              </a:rPr>
+              <a:t>2.網頁取得QR CODE</a:t>
             </a:r>
             <a:endParaRPr b="1" sz="2000">
               <a:solidFill>
@@ -12102,7 +12172,7 @@
               <a:t>	</a:t>
             </a:r>
             <a:r>
-              <a:rPr lang="en-US" sz="1700">
+              <a:rPr lang="en-US" sz="2000">
                 <a:solidFill>
                   <a:srgbClr val="3C4043"/>
                 </a:solidFill>
@@ -12111,9 +12181,9 @@
                 <a:cs typeface="Calibri"/>
                 <a:sym typeface="Calibri"/>
               </a:rPr>
-              <a:t>popup.js注入function至當前頁面，撈取頁面Dom，改變style屬性。</a:t>
+              <a:t>使用activeTab取得</a:t>
             </a:r>
-            <a:endParaRPr baseline="30000" sz="1700">
+            <a:endParaRPr sz="2000">
               <a:solidFill>
                 <a:srgbClr val="3C4043"/>
               </a:solidFill>
@@ -12146,7 +12216,7 @@
                 <a:cs typeface="Calibri"/>
                 <a:sym typeface="Calibri"/>
               </a:rPr>
-              <a:t>2.代辦事項紀錄</a:t>
+              <a:t>3.代辦事項紀錄</a:t>
             </a:r>
             <a:endParaRPr b="1" sz="2000">
               <a:solidFill>
@@ -12228,7 +12298,7 @@
                 <a:cs typeface="Calibri"/>
                 <a:sym typeface="Calibri"/>
               </a:rPr>
-              <a:t>3.自動連點</a:t>
+              <a:t>4.自動連點</a:t>
             </a:r>
             <a:endParaRPr b="1" sz="2000">
               <a:solidFill>
@@ -12345,7 +12415,7 @@
                 <a:cs typeface="Calibri"/>
                 <a:sym typeface="Calibri"/>
               </a:rPr>
-              <a:t>4.天氣與會議鬧鐘/alarm|notification</a:t>
+              <a:t>5.天氣與會議鬧鐘/alarm|notification</a:t>
             </a:r>
             <a:endParaRPr b="1" sz="2000">
               <a:solidFill>
